--- a/2.VM_Cloud/Cloud Computing Basics.pptx
+++ b/2.VM_Cloud/Cloud Computing Basics.pptx
@@ -267,7 +267,7 @@
           <a:p>
             <a:fld id="{BCA0DF7B-EC80-44A7-BFFD-293500D890FD}" type="datetimeFigureOut">
               <a:rPr lang="en-US" smtClean="0"/>
-              <a:t>8/3/2021</a:t>
+              <a:t>8/12/2021</a:t>
             </a:fld>
             <a:endParaRPr lang="en-US"/>
           </a:p>
@@ -465,7 +465,7 @@
           <a:p>
             <a:fld id="{BCA0DF7B-EC80-44A7-BFFD-293500D890FD}" type="datetimeFigureOut">
               <a:rPr lang="en-US" smtClean="0"/>
-              <a:t>8/3/2021</a:t>
+              <a:t>8/12/2021</a:t>
             </a:fld>
             <a:endParaRPr lang="en-US"/>
           </a:p>
@@ -673,7 +673,7 @@
           <a:p>
             <a:fld id="{BCA0DF7B-EC80-44A7-BFFD-293500D890FD}" type="datetimeFigureOut">
               <a:rPr lang="en-US" smtClean="0"/>
-              <a:t>8/3/2021</a:t>
+              <a:t>8/12/2021</a:t>
             </a:fld>
             <a:endParaRPr lang="en-US"/>
           </a:p>
@@ -871,7 +871,7 @@
           <a:p>
             <a:fld id="{BCA0DF7B-EC80-44A7-BFFD-293500D890FD}" type="datetimeFigureOut">
               <a:rPr lang="en-US" smtClean="0"/>
-              <a:t>8/3/2021</a:t>
+              <a:t>8/12/2021</a:t>
             </a:fld>
             <a:endParaRPr lang="en-US"/>
           </a:p>
@@ -1146,7 +1146,7 @@
           <a:p>
             <a:fld id="{BCA0DF7B-EC80-44A7-BFFD-293500D890FD}" type="datetimeFigureOut">
               <a:rPr lang="en-US" smtClean="0"/>
-              <a:t>8/3/2021</a:t>
+              <a:t>8/12/2021</a:t>
             </a:fld>
             <a:endParaRPr lang="en-US"/>
           </a:p>
@@ -1411,7 +1411,7 @@
           <a:p>
             <a:fld id="{BCA0DF7B-EC80-44A7-BFFD-293500D890FD}" type="datetimeFigureOut">
               <a:rPr lang="en-US" smtClean="0"/>
-              <a:t>8/3/2021</a:t>
+              <a:t>8/12/2021</a:t>
             </a:fld>
             <a:endParaRPr lang="en-US"/>
           </a:p>
@@ -1823,7 +1823,7 @@
           <a:p>
             <a:fld id="{BCA0DF7B-EC80-44A7-BFFD-293500D890FD}" type="datetimeFigureOut">
               <a:rPr lang="en-US" smtClean="0"/>
-              <a:t>8/3/2021</a:t>
+              <a:t>8/12/2021</a:t>
             </a:fld>
             <a:endParaRPr lang="en-US"/>
           </a:p>
@@ -1964,7 +1964,7 @@
           <a:p>
             <a:fld id="{BCA0DF7B-EC80-44A7-BFFD-293500D890FD}" type="datetimeFigureOut">
               <a:rPr lang="en-US" smtClean="0"/>
-              <a:t>8/3/2021</a:t>
+              <a:t>8/12/2021</a:t>
             </a:fld>
             <a:endParaRPr lang="en-US"/>
           </a:p>
@@ -2077,7 +2077,7 @@
           <a:p>
             <a:fld id="{BCA0DF7B-EC80-44A7-BFFD-293500D890FD}" type="datetimeFigureOut">
               <a:rPr lang="en-US" smtClean="0"/>
-              <a:t>8/3/2021</a:t>
+              <a:t>8/12/2021</a:t>
             </a:fld>
             <a:endParaRPr lang="en-US"/>
           </a:p>
@@ -2388,7 +2388,7 @@
           <a:p>
             <a:fld id="{BCA0DF7B-EC80-44A7-BFFD-293500D890FD}" type="datetimeFigureOut">
               <a:rPr lang="en-US" smtClean="0"/>
-              <a:t>8/3/2021</a:t>
+              <a:t>8/12/2021</a:t>
             </a:fld>
             <a:endParaRPr lang="en-US"/>
           </a:p>
@@ -2676,7 +2676,7 @@
           <a:p>
             <a:fld id="{BCA0DF7B-EC80-44A7-BFFD-293500D890FD}" type="datetimeFigureOut">
               <a:rPr lang="en-US" smtClean="0"/>
-              <a:t>8/3/2021</a:t>
+              <a:t>8/12/2021</a:t>
             </a:fld>
             <a:endParaRPr lang="en-US"/>
           </a:p>
@@ -2917,7 +2917,7 @@
           <a:p>
             <a:fld id="{BCA0DF7B-EC80-44A7-BFFD-293500D890FD}" type="datetimeFigureOut">
               <a:rPr lang="en-US" smtClean="0"/>
-              <a:t>8/3/2021</a:t>
+              <a:t>8/12/2021</a:t>
             </a:fld>
             <a:endParaRPr lang="en-US"/>
           </a:p>
@@ -3386,10 +3386,9 @@
           <a:lstStyle/>
           <a:p>
             <a:r>
-              <a:rPr lang="en-US" sz="3200"/>
+              <a:rPr lang="en-US" sz="3200" dirty="0"/>
               <a:t>(Very brief highlights)</a:t>
             </a:r>
-            <a:endParaRPr lang="en-US" sz="3200" dirty="0"/>
           </a:p>
           <a:p>
             <a:r>
@@ -3400,7 +3399,7 @@
           <a:p>
             <a:r>
               <a:rPr lang="en-US" sz="1800" dirty="0"/>
-              <a:t>January 2018</a:t>
+              <a:t>Fall 2021</a:t>
             </a:r>
           </a:p>
           <a:p>
@@ -3464,7 +3463,7 @@
           <a:p>
             <a:r>
               <a:rPr lang="en-US" dirty="0"/>
-              <a:t>What is “The Cloud”</a:t>
+              <a:t>What is “The Cloud?”</a:t>
             </a:r>
           </a:p>
         </p:txBody>
@@ -3706,7 +3705,7 @@
             <a:pPr lvl="1"/>
             <a:r>
               <a:rPr lang="en-US" dirty="0"/>
-              <a:t>Examples:  Amazon Web Services (AWS), Google Compute Engine (GCE), Microsoft Azure, Akamai, …</a:t>
+              <a:t>Examples:  Amazon Web Services (AWS), Microsoft Azure, Google Cloud Platform (GCP), Akamai, …</a:t>
             </a:r>
           </a:p>
           <a:p>
@@ -4179,7 +4178,7 @@
           <a:p>
             <a:r>
               <a:rPr lang="en-US" dirty="0"/>
-              <a:t>Units of a company may bypass IT security by using cloud storage on their own</a:t>
+              <a:t>Units of a company may bypass IT security by using cloud services on their own</a:t>
             </a:r>
           </a:p>
           <a:p>
@@ -4527,12 +4526,14 @@
         </p:nvSpPr>
         <p:spPr/>
         <p:txBody>
-          <a:bodyPr/>
-          <a:lstStyle/>
-          <a:p>
-            <a:r>
-              <a:rPr lang="en-US" dirty="0"/>
-              <a:t>Please read these items</a:t>
+          <a:bodyPr>
+            <a:normAutofit fontScale="92500" lnSpcReduction="10000"/>
+          </a:bodyPr>
+          <a:lstStyle/>
+          <a:p>
+            <a:r>
+              <a:rPr lang="en-US" dirty="0"/>
+              <a:t>Please read one or two of these items</a:t>
             </a:r>
           </a:p>
           <a:p>
@@ -4590,13 +4591,8 @@
           <a:p>
             <a:r>
               <a:rPr lang="en-US" dirty="0"/>
-              <a:t>Security Breaches (see #3 in the </a:t>
-            </a:r>
-            <a:r>
-              <a:rPr lang="en-US"/>
-              <a:t>article below)</a:t>
-            </a:r>
-            <a:endParaRPr lang="en-US" dirty="0"/>
+              <a:t>Cloud Security Breaches </a:t>
+            </a:r>
           </a:p>
           <a:p>
             <a:pPr lvl="1"/>
@@ -4604,15 +4600,30 @@
               <a:rPr lang="en-US" dirty="0">
                 <a:hlinkClick r:id="rId6"/>
               </a:rPr>
+              <a:t>https://www.lacework.com/blog/top-cloud-breaches-2019/</a:t>
+            </a:r>
+            <a:r>
+              <a:rPr lang="en-US" dirty="0"/>
+              <a:t>  </a:t>
+            </a:r>
+            <a:r>
+              <a:rPr lang="en-US" dirty="0">
+                <a:hlinkClick r:id="rId7"/>
+              </a:rPr>
               <a:t>https://securityintelligence.com/six-major-data-breach-trends-from-2017/</a:t>
             </a:r>
-            <a:r>
-              <a:rPr lang="en-US" dirty="0"/>
-              <a:t> </a:t>
-            </a:r>
-          </a:p>
-          <a:p>
-            <a:pPr lvl="1"/>
+            <a:endParaRPr lang="en-US" dirty="0"/>
+          </a:p>
+          <a:p>
+            <a:pPr lvl="2"/>
+            <a:r>
+              <a:rPr lang="en-US" dirty="0"/>
+              <a:t>See </a:t>
+            </a:r>
+            <a:r>
+              <a:rPr lang="en-US"/>
+              <a:t>paragraph three</a:t>
+            </a:r>
             <a:endParaRPr lang="en-US" dirty="0"/>
           </a:p>
           <a:p>
